--- a/Android.pptx
+++ b/Android.pptx
@@ -211,7 +211,7 @@
           <a:p>
             <a:fld id="{02B701CB-334B-4BC6-A424-3B715C523AAE}" type="datetimeFigureOut">
               <a:rPr lang="de-DE" smtClean="0"/>
-              <a:t>30.06.2017</a:t>
+              <a:t>05.07.2017</a:t>
             </a:fld>
             <a:endParaRPr lang="de-DE"/>
           </a:p>
@@ -851,7 +851,19 @@
                 <a:ea typeface="+mn-ea"/>
                 <a:cs typeface="+mn-cs"/>
               </a:rPr>
-              <a:t>Programmierung mobiler Endgeräte</a:t>
+              <a:t>Programmierung mobiler </a:t>
+            </a:r>
+            <a:r>
+              <a:rPr lang="de-DE" sz="1600" kern="1200" dirty="0" smtClean="0">
+                <a:solidFill>
+                  <a:schemeClr val="tx1"/>
+                </a:solidFill>
+                <a:effectLst/>
+                <a:latin typeface="+mn-lt"/>
+                <a:ea typeface="+mn-ea"/>
+                <a:cs typeface="+mn-cs"/>
+              </a:rPr>
+              <a:t>Endgeräte </a:t>
             </a:r>
             <a:r>
               <a:rPr lang="de-DE" sz="1800" baseline="0" dirty="0" smtClean="0"/>
@@ -871,11 +883,7 @@
             </a:r>
             <a:r>
               <a:rPr lang="de-DE" sz="1800" dirty="0" smtClean="0"/>
-              <a:t>Folie</a:t>
-            </a:r>
-            <a:r>
-              <a:rPr lang="de-DE" sz="1800" dirty="0" smtClean="0"/>
-              <a:t>: </a:t>
+              <a:t>Folie: </a:t>
             </a:r>
             <a:fld id="{BD564543-F8CD-416A-8DA8-BF47706DD89B}" type="slidenum">
               <a:rPr lang="de-DE" sz="1800" smtClean="0"/>
@@ -883,7 +891,11 @@
             </a:fld>
             <a:r>
               <a:rPr lang="de-DE" sz="1800" dirty="0" smtClean="0"/>
-              <a:t> von 24</a:t>
+              <a:t> von </a:t>
+            </a:r>
+            <a:r>
+              <a:rPr lang="de-DE" sz="1800" dirty="0" smtClean="0"/>
+              <a:t>4</a:t>
             </a:r>
             <a:endParaRPr lang="de-DE" sz="1800" dirty="0"/>
           </a:p>
@@ -1399,13 +1411,8 @@
             </a:r>
             <a:r>
               <a:rPr lang="de-DE" sz="3600" dirty="0" smtClean="0"/>
-              <a:t>: </a:t>
-            </a:r>
-            <a:r>
-              <a:rPr lang="de-DE" sz="3600" dirty="0" smtClean="0"/>
-              <a:t>32460</a:t>
-            </a:r>
-            <a:endParaRPr lang="de-DE" sz="3600" dirty="0" smtClean="0"/>
+              <a:t>: 32460</a:t>
+            </a:r>
           </a:p>
           <a:p>
             <a:endParaRPr lang="de-DE" sz="3600" dirty="0" smtClean="0"/>
@@ -1547,7 +1554,6 @@
               <a:rPr lang="de-DE" sz="3600" dirty="0" smtClean="0"/>
               <a:t>Technische Mittel die eingesetzt wurden</a:t>
             </a:r>
-            <a:endParaRPr lang="de-DE" sz="3600" dirty="0" smtClean="0"/>
           </a:p>
         </p:txBody>
       </p:sp>
